--- a/block_diag.pptx
+++ b/block_diag.pptx
@@ -261,7 +261,7 @@
           <a:p>
             <a:fld id="{5EDAD990-EDB0-498B-A180-78F82BBA94D9}" type="datetimeFigureOut">
               <a:rPr lang="en-IN" smtClean="0"/>
-              <a:t>13-08-2023</a:t>
+              <a:t>16-08-2023</a:t>
             </a:fld>
             <a:endParaRPr lang="en-IN"/>
           </a:p>
@@ -461,7 +461,7 @@
           <a:p>
             <a:fld id="{5EDAD990-EDB0-498B-A180-78F82BBA94D9}" type="datetimeFigureOut">
               <a:rPr lang="en-IN" smtClean="0"/>
-              <a:t>13-08-2023</a:t>
+              <a:t>16-08-2023</a:t>
             </a:fld>
             <a:endParaRPr lang="en-IN"/>
           </a:p>
@@ -671,7 +671,7 @@
           <a:p>
             <a:fld id="{5EDAD990-EDB0-498B-A180-78F82BBA94D9}" type="datetimeFigureOut">
               <a:rPr lang="en-IN" smtClean="0"/>
-              <a:t>13-08-2023</a:t>
+              <a:t>16-08-2023</a:t>
             </a:fld>
             <a:endParaRPr lang="en-IN"/>
           </a:p>
@@ -871,7 +871,7 @@
           <a:p>
             <a:fld id="{5EDAD990-EDB0-498B-A180-78F82BBA94D9}" type="datetimeFigureOut">
               <a:rPr lang="en-IN" smtClean="0"/>
-              <a:t>13-08-2023</a:t>
+              <a:t>16-08-2023</a:t>
             </a:fld>
             <a:endParaRPr lang="en-IN"/>
           </a:p>
@@ -1147,7 +1147,7 @@
           <a:p>
             <a:fld id="{5EDAD990-EDB0-498B-A180-78F82BBA94D9}" type="datetimeFigureOut">
               <a:rPr lang="en-IN" smtClean="0"/>
-              <a:t>13-08-2023</a:t>
+              <a:t>16-08-2023</a:t>
             </a:fld>
             <a:endParaRPr lang="en-IN"/>
           </a:p>
@@ -1415,7 +1415,7 @@
           <a:p>
             <a:fld id="{5EDAD990-EDB0-498B-A180-78F82BBA94D9}" type="datetimeFigureOut">
               <a:rPr lang="en-IN" smtClean="0"/>
-              <a:t>13-08-2023</a:t>
+              <a:t>16-08-2023</a:t>
             </a:fld>
             <a:endParaRPr lang="en-IN"/>
           </a:p>
@@ -1830,7 +1830,7 @@
           <a:p>
             <a:fld id="{5EDAD990-EDB0-498B-A180-78F82BBA94D9}" type="datetimeFigureOut">
               <a:rPr lang="en-IN" smtClean="0"/>
-              <a:t>13-08-2023</a:t>
+              <a:t>16-08-2023</a:t>
             </a:fld>
             <a:endParaRPr lang="en-IN"/>
           </a:p>
@@ -1972,7 +1972,7 @@
           <a:p>
             <a:fld id="{5EDAD990-EDB0-498B-A180-78F82BBA94D9}" type="datetimeFigureOut">
               <a:rPr lang="en-IN" smtClean="0"/>
-              <a:t>13-08-2023</a:t>
+              <a:t>16-08-2023</a:t>
             </a:fld>
             <a:endParaRPr lang="en-IN"/>
           </a:p>
@@ -2085,7 +2085,7 @@
           <a:p>
             <a:fld id="{5EDAD990-EDB0-498B-A180-78F82BBA94D9}" type="datetimeFigureOut">
               <a:rPr lang="en-IN" smtClean="0"/>
-              <a:t>13-08-2023</a:t>
+              <a:t>16-08-2023</a:t>
             </a:fld>
             <a:endParaRPr lang="en-IN"/>
           </a:p>
@@ -2398,7 +2398,7 @@
           <a:p>
             <a:fld id="{5EDAD990-EDB0-498B-A180-78F82BBA94D9}" type="datetimeFigureOut">
               <a:rPr lang="en-IN" smtClean="0"/>
-              <a:t>13-08-2023</a:t>
+              <a:t>16-08-2023</a:t>
             </a:fld>
             <a:endParaRPr lang="en-IN"/>
           </a:p>
@@ -2687,7 +2687,7 @@
           <a:p>
             <a:fld id="{5EDAD990-EDB0-498B-A180-78F82BBA94D9}" type="datetimeFigureOut">
               <a:rPr lang="en-IN" smtClean="0"/>
-              <a:t>13-08-2023</a:t>
+              <a:t>16-08-2023</a:t>
             </a:fld>
             <a:endParaRPr lang="en-IN"/>
           </a:p>
@@ -2930,7 +2930,7 @@
           <a:p>
             <a:fld id="{5EDAD990-EDB0-498B-A180-78F82BBA94D9}" type="datetimeFigureOut">
               <a:rPr lang="en-IN" smtClean="0"/>
-              <a:t>13-08-2023</a:t>
+              <a:t>16-08-2023</a:t>
             </a:fld>
             <a:endParaRPr lang="en-IN"/>
           </a:p>
@@ -3333,6 +3333,17 @@
 <file path=ppt/slides/slide1.xml><?xml version="1.0" encoding="utf-8"?>
 <p:sld xmlns:a="http://schemas.openxmlformats.org/drawingml/2006/main" xmlns:r="http://schemas.openxmlformats.org/officeDocument/2006/relationships" xmlns:p="http://schemas.openxmlformats.org/presentationml/2006/main">
   <p:cSld>
+    <p:bg>
+      <p:bgPr>
+        <a:solidFill>
+          <a:schemeClr val="tx1">
+            <a:lumMod val="65000"/>
+            <a:lumOff val="35000"/>
+          </a:schemeClr>
+        </a:solidFill>
+        <a:effectLst/>
+      </p:bgPr>
+    </p:bg>
     <p:spTree>
       <p:nvGrpSpPr>
         <p:cNvPr id="1" name=""/>
@@ -3378,20 +3389,121 @@
             <a:pPr algn="ctr"/>
             <a:r>
               <a:rPr lang="en-IN" sz="900" dirty="0">
+                <a:solidFill>
+                  <a:schemeClr val="bg1">
+                    <a:lumMod val="85000"/>
+                  </a:schemeClr>
+                </a:solidFill>
                 <a:latin typeface="Rockwell" panose="02060603020205020403" pitchFamily="18" charset="0"/>
               </a:rPr>
               <a:t>POST request </a:t>
             </a:r>
             <a:br>
               <a:rPr lang="en-IN" sz="900" dirty="0">
+                <a:solidFill>
+                  <a:schemeClr val="bg1">
+                    <a:lumMod val="85000"/>
+                  </a:schemeClr>
+                </a:solidFill>
                 <a:latin typeface="Rockwell" panose="02060603020205020403" pitchFamily="18" charset="0"/>
               </a:rPr>
             </a:br>
             <a:r>
               <a:rPr lang="en-IN" sz="900" dirty="0">
+                <a:solidFill>
+                  <a:schemeClr val="bg1">
+                    <a:lumMod val="85000"/>
+                  </a:schemeClr>
+                </a:solidFill>
                 <a:latin typeface="Rockwell" panose="02060603020205020403" pitchFamily="18" charset="0"/>
               </a:rPr>
               <a:t>user-id and query string</a:t>
+            </a:r>
+          </a:p>
+        </p:txBody>
+      </p:sp>
+      <p:sp>
+        <p:nvSpPr>
+          <p:cNvPr id="56" name="TextBox 55">
+            <a:extLst>
+              <a:ext uri="{FF2B5EF4-FFF2-40B4-BE49-F238E27FC236}">
+                <a16:creationId xmlns:a16="http://schemas.microsoft.com/office/drawing/2014/main" id="{B49AE399-BAF3-0729-5877-7D741FBC18D7}"/>
+              </a:ext>
+            </a:extLst>
+          </p:cNvPr>
+          <p:cNvSpPr txBox="1"/>
+          <p:nvPr/>
+        </p:nvSpPr>
+        <p:spPr>
+          <a:xfrm>
+            <a:off x="2467021" y="3532997"/>
+            <a:ext cx="1544340" cy="784830"/>
+          </a:xfrm>
+          <a:prstGeom prst="rect">
+            <a:avLst/>
+          </a:prstGeom>
+          <a:noFill/>
+        </p:spPr>
+        <p:txBody>
+          <a:bodyPr wrap="square" rtlCol="0">
+            <a:spAutoFit/>
+          </a:bodyPr>
+          <a:lstStyle/>
+          <a:p>
+            <a:pPr algn="ctr"/>
+            <a:r>
+              <a:rPr lang="en-IN" sz="900" dirty="0">
+                <a:solidFill>
+                  <a:schemeClr val="bg1">
+                    <a:lumMod val="85000"/>
+                  </a:schemeClr>
+                </a:solidFill>
+                <a:latin typeface="Rockwell" panose="02060603020205020403" pitchFamily="18" charset="0"/>
+              </a:rPr>
+              <a:t>JSON response </a:t>
+            </a:r>
+            <a:br>
+              <a:rPr lang="en-IN" sz="900" dirty="0">
+                <a:solidFill>
+                  <a:schemeClr val="bg1">
+                    <a:lumMod val="85000"/>
+                  </a:schemeClr>
+                </a:solidFill>
+                <a:latin typeface="Rockwell" panose="02060603020205020403" pitchFamily="18" charset="0"/>
+              </a:rPr>
+            </a:br>
+            <a:r>
+              <a:rPr lang="en-IN" sz="900" dirty="0">
+                <a:solidFill>
+                  <a:schemeClr val="bg1">
+                    <a:lumMod val="85000"/>
+                  </a:schemeClr>
+                </a:solidFill>
+                <a:latin typeface="Rockwell" panose="02060603020205020403" pitchFamily="18" charset="0"/>
+              </a:rPr>
+              <a:t>Link to locally stored </a:t>
+            </a:r>
+            <a:r>
+              <a:rPr lang="en-IN" sz="900" dirty="0" err="1">
+                <a:solidFill>
+                  <a:schemeClr val="bg1">
+                    <a:lumMod val="85000"/>
+                  </a:schemeClr>
+                </a:solidFill>
+                <a:latin typeface="Rockwell" panose="02060603020205020403" pitchFamily="18" charset="0"/>
+              </a:rPr>
+              <a:t>genAI</a:t>
+            </a:r>
+            <a:r>
+              <a:rPr lang="en-IN" sz="900" dirty="0">
+                <a:solidFill>
+                  <a:schemeClr val="bg1">
+                    <a:lumMod val="85000"/>
+                  </a:schemeClr>
+                </a:solidFill>
+                <a:latin typeface="Rockwell" panose="02060603020205020403" pitchFamily="18" charset="0"/>
+              </a:rPr>
+              <a:t> image + links to best matching on-sale clothes</a:t>
             </a:r>
           </a:p>
         </p:txBody>
@@ -3502,6 +3614,11 @@
             <a:avLst/>
           </a:prstGeom>
           <a:ln>
+            <a:solidFill>
+              <a:schemeClr val="bg1">
+                <a:lumMod val="75000"/>
+              </a:schemeClr>
+            </a:solidFill>
             <a:tailEnd type="triangle"/>
           </a:ln>
         </p:spPr>
@@ -3600,6 +3717,11 @@
             <a:avLst/>
           </a:prstGeom>
           <a:ln>
+            <a:solidFill>
+              <a:schemeClr val="bg1">
+                <a:lumMod val="75000"/>
+              </a:schemeClr>
+            </a:solidFill>
             <a:tailEnd type="triangle"/>
           </a:ln>
         </p:spPr>
@@ -4045,67 +4167,6 @@
           </a:fontRef>
         </p:style>
       </p:cxnSp>
-      <p:sp>
-        <p:nvSpPr>
-          <p:cNvPr id="56" name="TextBox 55">
-            <a:extLst>
-              <a:ext uri="{FF2B5EF4-FFF2-40B4-BE49-F238E27FC236}">
-                <a16:creationId xmlns:a16="http://schemas.microsoft.com/office/drawing/2014/main" id="{B49AE399-BAF3-0729-5877-7D741FBC18D7}"/>
-              </a:ext>
-            </a:extLst>
-          </p:cNvPr>
-          <p:cNvSpPr txBox="1"/>
-          <p:nvPr/>
-        </p:nvSpPr>
-        <p:spPr>
-          <a:xfrm>
-            <a:off x="2467021" y="3532997"/>
-            <a:ext cx="1544340" cy="784830"/>
-          </a:xfrm>
-          <a:prstGeom prst="rect">
-            <a:avLst/>
-          </a:prstGeom>
-          <a:noFill/>
-        </p:spPr>
-        <p:txBody>
-          <a:bodyPr wrap="square" rtlCol="0">
-            <a:spAutoFit/>
-          </a:bodyPr>
-          <a:lstStyle/>
-          <a:p>
-            <a:pPr algn="ctr"/>
-            <a:r>
-              <a:rPr lang="en-IN" sz="900" dirty="0">
-                <a:latin typeface="Rockwell" panose="02060603020205020403" pitchFamily="18" charset="0"/>
-              </a:rPr>
-              <a:t>JSON response </a:t>
-            </a:r>
-            <a:br>
-              <a:rPr lang="en-IN" sz="900" dirty="0">
-                <a:latin typeface="Rockwell" panose="02060603020205020403" pitchFamily="18" charset="0"/>
-              </a:rPr>
-            </a:br>
-            <a:r>
-              <a:rPr lang="en-IN" sz="900" dirty="0">
-                <a:latin typeface="Rockwell" panose="02060603020205020403" pitchFamily="18" charset="0"/>
-              </a:rPr>
-              <a:t>Link to locally stored </a:t>
-            </a:r>
-            <a:r>
-              <a:rPr lang="en-IN" sz="900" dirty="0" err="1">
-                <a:latin typeface="Rockwell" panose="02060603020205020403" pitchFamily="18" charset="0"/>
-              </a:rPr>
-              <a:t>genAI</a:t>
-            </a:r>
-            <a:r>
-              <a:rPr lang="en-IN" sz="900" dirty="0">
-                <a:latin typeface="Rockwell" panose="02060603020205020403" pitchFamily="18" charset="0"/>
-              </a:rPr>
-              <a:t> image + links to best matching on-sale clothes</a:t>
-            </a:r>
-          </a:p>
-        </p:txBody>
-      </p:sp>
       <p:sp>
         <p:nvSpPr>
           <p:cNvPr id="57" name="TextBox 56">

--- a/block_diag.pptx
+++ b/block_diag.pptx
@@ -6,6 +6,7 @@
   </p:sldMasterIdLst>
   <p:sldIdLst>
     <p:sldId id="256" r:id="rId2"/>
+    <p:sldId id="257" r:id="rId3"/>
   </p:sldIdLst>
   <p:sldSz cx="12192000" cy="6858000"/>
   <p:notesSz cx="6858000" cy="9144000"/>
@@ -261,7 +262,7 @@
           <a:p>
             <a:fld id="{5EDAD990-EDB0-498B-A180-78F82BBA94D9}" type="datetimeFigureOut">
               <a:rPr lang="en-IN" smtClean="0"/>
-              <a:t>16-08-2023</a:t>
+              <a:t>18-08-2023</a:t>
             </a:fld>
             <a:endParaRPr lang="en-IN"/>
           </a:p>
@@ -461,7 +462,7 @@
           <a:p>
             <a:fld id="{5EDAD990-EDB0-498B-A180-78F82BBA94D9}" type="datetimeFigureOut">
               <a:rPr lang="en-IN" smtClean="0"/>
-              <a:t>16-08-2023</a:t>
+              <a:t>18-08-2023</a:t>
             </a:fld>
             <a:endParaRPr lang="en-IN"/>
           </a:p>
@@ -671,7 +672,7 @@
           <a:p>
             <a:fld id="{5EDAD990-EDB0-498B-A180-78F82BBA94D9}" type="datetimeFigureOut">
               <a:rPr lang="en-IN" smtClean="0"/>
-              <a:t>16-08-2023</a:t>
+              <a:t>18-08-2023</a:t>
             </a:fld>
             <a:endParaRPr lang="en-IN"/>
           </a:p>
@@ -871,7 +872,7 @@
           <a:p>
             <a:fld id="{5EDAD990-EDB0-498B-A180-78F82BBA94D9}" type="datetimeFigureOut">
               <a:rPr lang="en-IN" smtClean="0"/>
-              <a:t>16-08-2023</a:t>
+              <a:t>18-08-2023</a:t>
             </a:fld>
             <a:endParaRPr lang="en-IN"/>
           </a:p>
@@ -1147,7 +1148,7 @@
           <a:p>
             <a:fld id="{5EDAD990-EDB0-498B-A180-78F82BBA94D9}" type="datetimeFigureOut">
               <a:rPr lang="en-IN" smtClean="0"/>
-              <a:t>16-08-2023</a:t>
+              <a:t>18-08-2023</a:t>
             </a:fld>
             <a:endParaRPr lang="en-IN"/>
           </a:p>
@@ -1415,7 +1416,7 @@
           <a:p>
             <a:fld id="{5EDAD990-EDB0-498B-A180-78F82BBA94D9}" type="datetimeFigureOut">
               <a:rPr lang="en-IN" smtClean="0"/>
-              <a:t>16-08-2023</a:t>
+              <a:t>18-08-2023</a:t>
             </a:fld>
             <a:endParaRPr lang="en-IN"/>
           </a:p>
@@ -1830,7 +1831,7 @@
           <a:p>
             <a:fld id="{5EDAD990-EDB0-498B-A180-78F82BBA94D9}" type="datetimeFigureOut">
               <a:rPr lang="en-IN" smtClean="0"/>
-              <a:t>16-08-2023</a:t>
+              <a:t>18-08-2023</a:t>
             </a:fld>
             <a:endParaRPr lang="en-IN"/>
           </a:p>
@@ -1972,7 +1973,7 @@
           <a:p>
             <a:fld id="{5EDAD990-EDB0-498B-A180-78F82BBA94D9}" type="datetimeFigureOut">
               <a:rPr lang="en-IN" smtClean="0"/>
-              <a:t>16-08-2023</a:t>
+              <a:t>18-08-2023</a:t>
             </a:fld>
             <a:endParaRPr lang="en-IN"/>
           </a:p>
@@ -2085,7 +2086,7 @@
           <a:p>
             <a:fld id="{5EDAD990-EDB0-498B-A180-78F82BBA94D9}" type="datetimeFigureOut">
               <a:rPr lang="en-IN" smtClean="0"/>
-              <a:t>16-08-2023</a:t>
+              <a:t>18-08-2023</a:t>
             </a:fld>
             <a:endParaRPr lang="en-IN"/>
           </a:p>
@@ -2398,7 +2399,7 @@
           <a:p>
             <a:fld id="{5EDAD990-EDB0-498B-A180-78F82BBA94D9}" type="datetimeFigureOut">
               <a:rPr lang="en-IN" smtClean="0"/>
-              <a:t>16-08-2023</a:t>
+              <a:t>18-08-2023</a:t>
             </a:fld>
             <a:endParaRPr lang="en-IN"/>
           </a:p>
@@ -2687,7 +2688,7 @@
           <a:p>
             <a:fld id="{5EDAD990-EDB0-498B-A180-78F82BBA94D9}" type="datetimeFigureOut">
               <a:rPr lang="en-IN" smtClean="0"/>
-              <a:t>16-08-2023</a:t>
+              <a:t>18-08-2023</a:t>
             </a:fld>
             <a:endParaRPr lang="en-IN"/>
           </a:p>
@@ -2930,7 +2931,7 @@
           <a:p>
             <a:fld id="{5EDAD990-EDB0-498B-A180-78F82BBA94D9}" type="datetimeFigureOut">
               <a:rPr lang="en-IN" smtClean="0"/>
-              <a:t>16-08-2023</a:t>
+              <a:t>18-08-2023</a:t>
             </a:fld>
             <a:endParaRPr lang="en-IN"/>
           </a:p>
@@ -3372,7 +3373,7 @@
         </p:nvSpPr>
         <p:spPr>
           <a:xfrm>
-            <a:off x="2468119" y="2812839"/>
+            <a:off x="2081676" y="2807397"/>
             <a:ext cx="1544340" cy="369332"/>
           </a:xfrm>
           <a:prstGeom prst="rect">
@@ -3436,7 +3437,7 @@
         </p:nvSpPr>
         <p:spPr>
           <a:xfrm>
-            <a:off x="2467021" y="3532997"/>
+            <a:off x="2080578" y="3527555"/>
             <a:ext cx="1544340" cy="784830"/>
           </a:xfrm>
           <a:prstGeom prst="rect">
@@ -3522,7 +3523,7 @@
         </p:nvSpPr>
         <p:spPr>
           <a:xfrm>
-            <a:off x="933233" y="2661557"/>
+            <a:off x="546790" y="2656115"/>
             <a:ext cx="1534886" cy="1534886"/>
           </a:xfrm>
           <a:prstGeom prst="rect">
@@ -3607,7 +3608,7 @@
         </p:nvCxnSpPr>
         <p:spPr>
           <a:xfrm>
-            <a:off x="2468119" y="3007035"/>
+            <a:off x="2081676" y="3001593"/>
             <a:ext cx="1544339" cy="0"/>
           </a:xfrm>
           <a:prstGeom prst="straightConnector1">
@@ -3651,7 +3652,7 @@
         </p:nvSpPr>
         <p:spPr>
           <a:xfrm>
-            <a:off x="4013095" y="2229891"/>
+            <a:off x="3626652" y="2224449"/>
             <a:ext cx="4338243" cy="2497412"/>
           </a:xfrm>
           <a:prstGeom prst="rect">
@@ -3710,7 +3711,7 @@
         </p:nvCxnSpPr>
         <p:spPr>
           <a:xfrm flipH="1">
-            <a:off x="2468119" y="3726638"/>
+            <a:off x="2081676" y="3721196"/>
             <a:ext cx="1544339" cy="0"/>
           </a:xfrm>
           <a:prstGeom prst="straightConnector1">
@@ -3754,7 +3755,7 @@
         </p:nvSpPr>
         <p:spPr>
           <a:xfrm>
-            <a:off x="5077525" y="3676164"/>
+            <a:off x="4691082" y="3670722"/>
             <a:ext cx="910352" cy="230832"/>
           </a:xfrm>
           <a:prstGeom prst="rect">
@@ -3792,7 +3793,7 @@
         </p:nvSpPr>
         <p:spPr>
           <a:xfrm>
-            <a:off x="4083503" y="2964640"/>
+            <a:off x="3697060" y="2959198"/>
             <a:ext cx="928720" cy="928720"/>
           </a:xfrm>
           <a:prstGeom prst="rect">
@@ -3908,7 +3909,7 @@
         </p:nvSpPr>
         <p:spPr>
           <a:xfrm>
-            <a:off x="6125435" y="2419236"/>
+            <a:off x="5738992" y="2413794"/>
             <a:ext cx="928720" cy="928720"/>
           </a:xfrm>
           <a:prstGeom prst="rect">
@@ -3982,7 +3983,7 @@
         </p:nvSpPr>
         <p:spPr>
           <a:xfrm>
-            <a:off x="6125435" y="3514470"/>
+            <a:off x="5738992" y="3509028"/>
             <a:ext cx="928720" cy="928720"/>
           </a:xfrm>
           <a:prstGeom prst="rect">
@@ -4058,7 +4059,7 @@
         </p:nvCxnSpPr>
         <p:spPr>
           <a:xfrm>
-            <a:off x="5012223" y="3097559"/>
+            <a:off x="4625780" y="3092117"/>
             <a:ext cx="1113212" cy="0"/>
           </a:xfrm>
           <a:prstGeom prst="straightConnector1">
@@ -4099,7 +4100,7 @@
         </p:nvCxnSpPr>
         <p:spPr>
           <a:xfrm>
-            <a:off x="5012223" y="3726638"/>
+            <a:off x="4625780" y="3721196"/>
             <a:ext cx="1113212" cy="0"/>
           </a:xfrm>
           <a:prstGeom prst="straightConnector1">
@@ -4140,7 +4141,7 @@
         </p:nvCxnSpPr>
         <p:spPr>
           <a:xfrm rot="10800000">
-            <a:off x="4845220" y="3893154"/>
+            <a:off x="4458777" y="3887712"/>
             <a:ext cx="1280215" cy="341102"/>
           </a:xfrm>
           <a:prstGeom prst="bentConnector3">
@@ -4181,7 +4182,7 @@
         </p:nvSpPr>
         <p:spPr>
           <a:xfrm>
-            <a:off x="4923629" y="4040063"/>
+            <a:off x="4537186" y="4034621"/>
             <a:ext cx="1047197" cy="369332"/>
           </a:xfrm>
           <a:prstGeom prst="rect">
@@ -4233,13 +4234,18 @@
         </p:nvCxnSpPr>
         <p:spPr>
           <a:xfrm>
-            <a:off x="6949138" y="4443190"/>
+            <a:off x="6562695" y="4437748"/>
             <a:ext cx="0" cy="1205244"/>
           </a:xfrm>
           <a:prstGeom prst="straightConnector1">
             <a:avLst/>
           </a:prstGeom>
           <a:ln>
+            <a:solidFill>
+              <a:schemeClr val="bg1">
+                <a:lumMod val="50000"/>
+              </a:schemeClr>
+            </a:solidFill>
             <a:tailEnd type="triangle"/>
           </a:ln>
         </p:spPr>
@@ -4272,7 +4278,7 @@
         </p:nvSpPr>
         <p:spPr>
           <a:xfrm>
-            <a:off x="5974581" y="5648434"/>
+            <a:off x="5588138" y="5642992"/>
             <a:ext cx="1230426" cy="785948"/>
           </a:xfrm>
           <a:prstGeom prst="rect">
@@ -4391,7 +4397,7 @@
         </p:nvSpPr>
         <p:spPr>
           <a:xfrm>
-            <a:off x="6885478" y="4813483"/>
+            <a:off x="6499035" y="4808041"/>
             <a:ext cx="1021295" cy="646331"/>
           </a:xfrm>
           <a:prstGeom prst="rect">
@@ -4408,11 +4414,21 @@
             <a:pPr algn="ctr"/>
             <a:r>
               <a:rPr lang="en-IN" sz="600" dirty="0">
+                <a:solidFill>
+                  <a:schemeClr val="bg1">
+                    <a:lumMod val="85000"/>
+                  </a:schemeClr>
+                </a:solidFill>
                 <a:latin typeface="Rockwell" panose="02060603020205020403" pitchFamily="18" charset="0"/>
               </a:rPr>
               <a:t>API call with fine tuned parameters for fashion image generation with user query, user preference data and current trends data</a:t>
             </a:r>
             <a:endParaRPr lang="en-IN" sz="900" dirty="0">
+              <a:solidFill>
+                <a:schemeClr val="bg1">
+                  <a:lumMod val="85000"/>
+                </a:schemeClr>
+              </a:solidFill>
               <a:latin typeface="Rockwell" panose="02060603020205020403" pitchFamily="18" charset="0"/>
             </a:endParaRPr>
           </a:p>
@@ -4434,13 +4450,18 @@
         </p:nvCxnSpPr>
         <p:spPr>
           <a:xfrm flipV="1">
-            <a:off x="6264959" y="4443190"/>
+            <a:off x="5878516" y="4437748"/>
             <a:ext cx="0" cy="1205244"/>
           </a:xfrm>
           <a:prstGeom prst="straightConnector1">
             <a:avLst/>
           </a:prstGeom>
           <a:ln>
+            <a:solidFill>
+              <a:schemeClr val="bg1">
+                <a:lumMod val="50000"/>
+              </a:schemeClr>
+            </a:solidFill>
             <a:tailEnd type="triangle"/>
           </a:ln>
         </p:spPr>
@@ -4473,7 +4494,7 @@
         </p:nvSpPr>
         <p:spPr>
           <a:xfrm>
-            <a:off x="5243664" y="4810625"/>
+            <a:off x="4857221" y="4805183"/>
             <a:ext cx="1021295" cy="646331"/>
           </a:xfrm>
           <a:prstGeom prst="rect">
@@ -4490,22 +4511,42 @@
             <a:pPr algn="ctr"/>
             <a:r>
               <a:rPr lang="en-IN" sz="600" dirty="0">
+                <a:solidFill>
+                  <a:schemeClr val="bg1">
+                    <a:lumMod val="85000"/>
+                  </a:schemeClr>
+                </a:solidFill>
                 <a:latin typeface="Rockwell" panose="02060603020205020403" pitchFamily="18" charset="0"/>
               </a:rPr>
               <a:t>PNG image binary data dump.</a:t>
             </a:r>
             <a:br>
               <a:rPr lang="en-IN" sz="600" dirty="0">
+                <a:solidFill>
+                  <a:schemeClr val="bg1">
+                    <a:lumMod val="85000"/>
+                  </a:schemeClr>
+                </a:solidFill>
                 <a:latin typeface="Rockwell" panose="02060603020205020403" pitchFamily="18" charset="0"/>
               </a:rPr>
             </a:br>
             <a:r>
               <a:rPr lang="en-IN" sz="600" dirty="0">
+                <a:solidFill>
+                  <a:schemeClr val="bg1">
+                    <a:lumMod val="85000"/>
+                  </a:schemeClr>
+                </a:solidFill>
                 <a:latin typeface="Rockwell" panose="02060603020205020403" pitchFamily="18" charset="0"/>
               </a:rPr>
               <a:t>Each SDXL 1.0 image takes ~3-4 seconds to generate and uses 1.8 credits (~Rs 1.5)</a:t>
             </a:r>
             <a:endParaRPr lang="en-IN" sz="900" dirty="0">
+              <a:solidFill>
+                <a:schemeClr val="bg1">
+                  <a:lumMod val="85000"/>
+                </a:schemeClr>
+              </a:solidFill>
               <a:latin typeface="Rockwell" panose="02060603020205020403" pitchFamily="18" charset="0"/>
             </a:endParaRPr>
           </a:p>
@@ -4525,7 +4566,7 @@
         </p:nvSpPr>
         <p:spPr>
           <a:xfrm>
-            <a:off x="5974581" y="423618"/>
+            <a:off x="5588138" y="418176"/>
             <a:ext cx="1230426" cy="785948"/>
           </a:xfrm>
           <a:prstGeom prst="rect">
@@ -4610,13 +4651,18 @@
         </p:nvCxnSpPr>
         <p:spPr>
           <a:xfrm flipV="1">
-            <a:off x="6949138" y="1209566"/>
+            <a:off x="6562695" y="1204124"/>
             <a:ext cx="0" cy="1205244"/>
           </a:xfrm>
           <a:prstGeom prst="straightConnector1">
             <a:avLst/>
           </a:prstGeom>
           <a:ln>
+            <a:solidFill>
+              <a:schemeClr val="bg1">
+                <a:lumMod val="50000"/>
+              </a:schemeClr>
+            </a:solidFill>
             <a:tailEnd type="triangle"/>
           </a:ln>
         </p:spPr>
@@ -4651,13 +4697,18 @@
         </p:nvCxnSpPr>
         <p:spPr>
           <a:xfrm>
-            <a:off x="6262795" y="1209566"/>
+            <a:off x="5876352" y="1204124"/>
             <a:ext cx="0" cy="1205244"/>
           </a:xfrm>
           <a:prstGeom prst="straightConnector1">
             <a:avLst/>
           </a:prstGeom>
           <a:ln>
+            <a:solidFill>
+              <a:schemeClr val="bg1">
+                <a:lumMod val="50000"/>
+              </a:schemeClr>
+            </a:solidFill>
             <a:tailEnd type="triangle"/>
           </a:ln>
         </p:spPr>
@@ -4690,7 +4741,7 @@
         </p:nvSpPr>
         <p:spPr>
           <a:xfrm>
-            <a:off x="6889484" y="1483149"/>
+            <a:off x="6503041" y="1477707"/>
             <a:ext cx="1021295" cy="369332"/>
           </a:xfrm>
           <a:prstGeom prst="rect">
@@ -4707,11 +4758,21 @@
             <a:pPr algn="ctr"/>
             <a:r>
               <a:rPr lang="en-IN" sz="600" dirty="0">
+                <a:solidFill>
+                  <a:schemeClr val="bg1">
+                    <a:lumMod val="85000"/>
+                  </a:schemeClr>
+                </a:solidFill>
                 <a:latin typeface="Rockwell" panose="02060603020205020403" pitchFamily="18" charset="0"/>
               </a:rPr>
               <a:t>Fine tuned API call to extract metadata from user queries</a:t>
             </a:r>
             <a:endParaRPr lang="en-IN" sz="900" dirty="0">
+              <a:solidFill>
+                <a:schemeClr val="bg1">
+                  <a:lumMod val="85000"/>
+                </a:schemeClr>
+              </a:solidFill>
               <a:latin typeface="Rockwell" panose="02060603020205020403" pitchFamily="18" charset="0"/>
             </a:endParaRPr>
           </a:p>
@@ -4731,7 +4792,7 @@
         </p:nvSpPr>
         <p:spPr>
           <a:xfrm>
-            <a:off x="5302765" y="1416697"/>
+            <a:off x="4916322" y="1411255"/>
             <a:ext cx="1021295" cy="553998"/>
           </a:xfrm>
           <a:prstGeom prst="rect">
@@ -4748,22 +4809,42 @@
             <a:pPr algn="ctr"/>
             <a:r>
               <a:rPr lang="en-IN" sz="600" dirty="0">
+                <a:solidFill>
+                  <a:schemeClr val="bg1">
+                    <a:lumMod val="85000"/>
+                  </a:schemeClr>
+                </a:solidFill>
                 <a:latin typeface="Rockwell" panose="02060603020205020403" pitchFamily="18" charset="0"/>
               </a:rPr>
               <a:t>JSON response with extracted information from query string.</a:t>
             </a:r>
             <a:br>
               <a:rPr lang="en-IN" sz="600" dirty="0">
+                <a:solidFill>
+                  <a:schemeClr val="bg1">
+                    <a:lumMod val="85000"/>
+                  </a:schemeClr>
+                </a:solidFill>
                 <a:latin typeface="Rockwell" panose="02060603020205020403" pitchFamily="18" charset="0"/>
               </a:rPr>
             </a:br>
             <a:r>
               <a:rPr lang="en-IN" sz="600" dirty="0">
+                <a:solidFill>
+                  <a:schemeClr val="bg1">
+                    <a:lumMod val="85000"/>
+                  </a:schemeClr>
+                </a:solidFill>
                 <a:latin typeface="Rockwell" panose="02060603020205020403" pitchFamily="18" charset="0"/>
               </a:rPr>
               <a:t>Response takes ~1-2 seconds</a:t>
             </a:r>
             <a:endParaRPr lang="en-IN" sz="900" dirty="0">
+              <a:solidFill>
+                <a:schemeClr val="bg1">
+                  <a:lumMod val="85000"/>
+                </a:schemeClr>
+              </a:solidFill>
               <a:latin typeface="Rockwell" panose="02060603020205020403" pitchFamily="18" charset="0"/>
             </a:endParaRPr>
           </a:p>
@@ -4783,7 +4864,7 @@
         </p:nvSpPr>
         <p:spPr>
           <a:xfrm>
-            <a:off x="8755336" y="5013253"/>
+            <a:off x="8368893" y="5007811"/>
             <a:ext cx="1080472" cy="369332"/>
           </a:xfrm>
           <a:prstGeom prst="rect">
@@ -4800,6 +4881,11 @@
             <a:pPr algn="ctr"/>
             <a:r>
               <a:rPr lang="en-IN" sz="900" dirty="0">
+                <a:solidFill>
+                  <a:schemeClr val="bg1">
+                    <a:lumMod val="85000"/>
+                  </a:schemeClr>
+                </a:solidFill>
                 <a:latin typeface="Rockwell" panose="02060603020205020403" pitchFamily="18" charset="0"/>
               </a:rPr>
               <a:t>MongoDB Database</a:t>
@@ -4821,7 +4907,7 @@
         </p:nvSpPr>
         <p:spPr>
           <a:xfrm>
-            <a:off x="7185972" y="3114850"/>
+            <a:off x="6799529" y="3109408"/>
             <a:ext cx="1034080" cy="644866"/>
           </a:xfrm>
           <a:prstGeom prst="roundRect">
@@ -4881,7 +4967,7 @@
         </p:nvCxnSpPr>
         <p:spPr>
           <a:xfrm>
-            <a:off x="7054155" y="2883596"/>
+            <a:off x="6667712" y="2878154"/>
             <a:ext cx="648857" cy="231254"/>
           </a:xfrm>
           <a:prstGeom prst="bentConnector2">
@@ -4920,7 +5006,7 @@
         </p:nvSpPr>
         <p:spPr>
           <a:xfrm>
-            <a:off x="7019664" y="2741834"/>
+            <a:off x="6633221" y="2736392"/>
             <a:ext cx="717839" cy="369332"/>
           </a:xfrm>
           <a:prstGeom prst="rect">
@@ -4967,7 +5053,7 @@
         </p:nvSpPr>
         <p:spPr>
           <a:xfrm>
-            <a:off x="8556651" y="1818296"/>
+            <a:off x="8170208" y="1812854"/>
             <a:ext cx="1495985" cy="3221408"/>
           </a:xfrm>
           <a:prstGeom prst="rect">
@@ -5024,7 +5110,7 @@
         </p:nvSpPr>
         <p:spPr>
           <a:xfrm>
-            <a:off x="9043841" y="1984051"/>
+            <a:off x="8657398" y="1978609"/>
             <a:ext cx="791968" cy="811086"/>
           </a:xfrm>
           <a:prstGeom prst="roundRect">
@@ -5081,7 +5167,7 @@
         </p:nvSpPr>
         <p:spPr>
           <a:xfrm>
-            <a:off x="9043841" y="4200905"/>
+            <a:off x="8657398" y="4195463"/>
             <a:ext cx="791967" cy="663487"/>
           </a:xfrm>
           <a:prstGeom prst="roundRect">
@@ -5138,7 +5224,7 @@
         </p:nvSpPr>
         <p:spPr>
           <a:xfrm>
-            <a:off x="7365825" y="2518138"/>
+            <a:off x="6979382" y="2512696"/>
             <a:ext cx="949307" cy="276999"/>
           </a:xfrm>
           <a:prstGeom prst="rect">
@@ -5178,7 +5264,7 @@
         </p:nvCxnSpPr>
         <p:spPr>
           <a:xfrm rot="5400000">
-            <a:off x="7782380" y="2426863"/>
+            <a:off x="7395937" y="2421422"/>
             <a:ext cx="722220" cy="647687"/>
           </a:xfrm>
           <a:prstGeom prst="bentConnector3">
@@ -5187,6 +5273,11 @@
             </a:avLst>
           </a:prstGeom>
           <a:ln>
+            <a:solidFill>
+              <a:schemeClr val="bg1">
+                <a:lumMod val="50000"/>
+              </a:schemeClr>
+            </a:solidFill>
             <a:tailEnd type="triangle"/>
           </a:ln>
         </p:spPr>
@@ -5219,7 +5310,7 @@
         </p:nvSpPr>
         <p:spPr>
           <a:xfrm>
-            <a:off x="7723063" y="2736189"/>
+            <a:off x="7336620" y="2730747"/>
             <a:ext cx="725035" cy="276999"/>
           </a:xfrm>
           <a:prstGeom prst="rect">
@@ -5259,7 +5350,7 @@
         </p:nvCxnSpPr>
         <p:spPr>
           <a:xfrm rot="16200000" flipH="1">
-            <a:off x="8587256" y="3589461"/>
+            <a:off x="8200814" y="3584020"/>
             <a:ext cx="653196" cy="560771"/>
           </a:xfrm>
           <a:prstGeom prst="bentConnector3">
@@ -5268,6 +5359,11 @@
             </a:avLst>
           </a:prstGeom>
           <a:ln>
+            <a:solidFill>
+              <a:schemeClr val="bg1">
+                <a:lumMod val="50000"/>
+              </a:schemeClr>
+            </a:solidFill>
             <a:tailEnd type="triangle"/>
           </a:ln>
         </p:spPr>
@@ -5300,7 +5396,7 @@
         </p:nvSpPr>
         <p:spPr>
           <a:xfrm>
-            <a:off x="8568166" y="3726638"/>
+            <a:off x="8181723" y="3721196"/>
             <a:ext cx="957525" cy="369332"/>
           </a:xfrm>
           <a:prstGeom prst="rect">
@@ -5338,7 +5434,7 @@
         </p:nvSpPr>
         <p:spPr>
           <a:xfrm>
-            <a:off x="7042985" y="3972647"/>
+            <a:off x="6656542" y="3967205"/>
             <a:ext cx="957525" cy="523220"/>
           </a:xfrm>
           <a:prstGeom prst="rect">
@@ -5390,7 +5486,7 @@
         </p:nvCxnSpPr>
         <p:spPr>
           <a:xfrm flipV="1">
-            <a:off x="7054155" y="2195706"/>
+            <a:off x="6667712" y="2190264"/>
             <a:ext cx="1989685" cy="466390"/>
           </a:xfrm>
           <a:prstGeom prst="bentConnector3">
@@ -5399,6 +5495,11 @@
             </a:avLst>
           </a:prstGeom>
           <a:ln>
+            <a:solidFill>
+              <a:schemeClr val="bg1">
+                <a:lumMod val="50000"/>
+              </a:schemeClr>
+            </a:solidFill>
             <a:tailEnd type="triangle"/>
           </a:ln>
         </p:spPr>
@@ -5434,12 +5535,19 @@
         </p:nvCxnSpPr>
         <p:spPr>
           <a:xfrm>
-            <a:off x="8467333" y="2389594"/>
+            <a:off x="8080890" y="2384152"/>
             <a:ext cx="576508" cy="0"/>
           </a:xfrm>
           <a:prstGeom prst="line">
             <a:avLst/>
           </a:prstGeom>
+          <a:ln>
+            <a:solidFill>
+              <a:schemeClr val="bg1">
+                <a:lumMod val="50000"/>
+              </a:schemeClr>
+            </a:solidFill>
+          </a:ln>
         </p:spPr>
         <p:style>
           <a:lnRef idx="1">
@@ -5472,12 +5580,19 @@
         </p:nvCxnSpPr>
         <p:spPr>
           <a:xfrm>
-            <a:off x="8220052" y="3543249"/>
+            <a:off x="7833609" y="3537807"/>
             <a:ext cx="411299" cy="0"/>
           </a:xfrm>
           <a:prstGeom prst="line">
             <a:avLst/>
           </a:prstGeom>
+          <a:ln>
+            <a:solidFill>
+              <a:schemeClr val="bg1">
+                <a:lumMod val="50000"/>
+              </a:schemeClr>
+            </a:solidFill>
+          </a:ln>
         </p:spPr>
         <p:style>
           <a:lnRef idx="1">
@@ -5508,7 +5623,7 @@
         </p:nvSpPr>
         <p:spPr>
           <a:xfrm>
-            <a:off x="9043843" y="2900072"/>
+            <a:off x="8657400" y="2894630"/>
             <a:ext cx="791966" cy="811086"/>
           </a:xfrm>
           <a:prstGeom prst="roundRect">
@@ -5581,7 +5696,7 @@
         </p:nvCxnSpPr>
         <p:spPr>
           <a:xfrm rot="5400000">
-            <a:off x="7269027" y="3544845"/>
+            <a:off x="6882584" y="3539403"/>
             <a:ext cx="219114" cy="648857"/>
           </a:xfrm>
           <a:prstGeom prst="bentConnector2">
@@ -5623,13 +5738,18 @@
         </p:nvCxnSpPr>
         <p:spPr>
           <a:xfrm>
-            <a:off x="8220052" y="3305615"/>
+            <a:off x="7833609" y="3300173"/>
             <a:ext cx="823791" cy="0"/>
           </a:xfrm>
           <a:prstGeom prst="straightConnector1">
             <a:avLst/>
           </a:prstGeom>
           <a:ln>
+            <a:solidFill>
+              <a:schemeClr val="bg1">
+                <a:lumMod val="50000"/>
+              </a:schemeClr>
+            </a:solidFill>
             <a:tailEnd type="triangle"/>
           </a:ln>
         </p:spPr>
@@ -5662,7 +5782,7 @@
         </p:nvSpPr>
         <p:spPr>
           <a:xfrm>
-            <a:off x="8482516" y="2978525"/>
+            <a:off x="8096073" y="2973083"/>
             <a:ext cx="564992" cy="553998"/>
           </a:xfrm>
           <a:prstGeom prst="rect">
@@ -5703,7 +5823,7 @@
         </p:nvCxnSpPr>
         <p:spPr>
           <a:xfrm flipH="1" flipV="1">
-            <a:off x="5012223" y="3429000"/>
+            <a:off x="4625780" y="3423558"/>
             <a:ext cx="2173749" cy="8283"/>
           </a:xfrm>
           <a:prstGeom prst="straightConnector1">
@@ -5742,7 +5862,7 @@
         </p:nvSpPr>
         <p:spPr>
           <a:xfrm>
-            <a:off x="5094531" y="3268430"/>
+            <a:off x="4708088" y="3262988"/>
             <a:ext cx="910352" cy="307777"/>
           </a:xfrm>
           <a:prstGeom prst="rect">
@@ -5780,7 +5900,7 @@
         </p:nvSpPr>
         <p:spPr>
           <a:xfrm>
-            <a:off x="5235667" y="3044019"/>
+            <a:off x="4849224" y="3038577"/>
             <a:ext cx="910352" cy="230832"/>
           </a:xfrm>
           <a:prstGeom prst="rect">
@@ -5822,13 +5942,18 @@
         </p:nvCxnSpPr>
         <p:spPr>
           <a:xfrm flipH="1">
-            <a:off x="9835808" y="4528065"/>
+            <a:off x="9449365" y="4522623"/>
             <a:ext cx="1295327" cy="4584"/>
           </a:xfrm>
           <a:prstGeom prst="straightConnector1">
             <a:avLst/>
           </a:prstGeom>
           <a:ln>
+            <a:solidFill>
+              <a:schemeClr val="bg1">
+                <a:lumMod val="50000"/>
+              </a:schemeClr>
+            </a:solidFill>
             <a:tailEnd type="triangle"/>
           </a:ln>
         </p:spPr>
@@ -5861,7 +5986,7 @@
         </p:nvSpPr>
         <p:spPr>
           <a:xfrm>
-            <a:off x="11131135" y="4063705"/>
+            <a:off x="10744692" y="4058263"/>
             <a:ext cx="928720" cy="928720"/>
           </a:xfrm>
           <a:prstGeom prst="rect">
@@ -5921,7 +6046,7 @@
         </p:nvSpPr>
         <p:spPr>
           <a:xfrm>
-            <a:off x="10115856" y="4151515"/>
+            <a:off x="9729413" y="4146073"/>
             <a:ext cx="957525" cy="846386"/>
           </a:xfrm>
           <a:prstGeom prst="rect">
@@ -5938,6 +6063,11 @@
             <a:pPr algn="ctr"/>
             <a:r>
               <a:rPr lang="en-IN" sz="700" dirty="0">
+                <a:solidFill>
+                  <a:schemeClr val="bg1">
+                    <a:lumMod val="85000"/>
+                  </a:schemeClr>
+                </a:solidFill>
                 <a:latin typeface="Rockwell" panose="02060603020205020403" pitchFamily="18" charset="0"/>
               </a:rPr>
               <a:t>Bi-Weekly Extraction of most popular clothing items from Platforms like Instagram, Pinterest, etc</a:t>
@@ -5949,6 +6079,154 @@
     <p:extLst>
       <p:ext uri="{BB962C8B-B14F-4D97-AF65-F5344CB8AC3E}">
         <p14:creationId xmlns:p14="http://schemas.microsoft.com/office/powerpoint/2010/main" val="3357656510"/>
+      </p:ext>
+    </p:extLst>
+  </p:cSld>
+  <p:clrMapOvr>
+    <a:masterClrMapping/>
+  </p:clrMapOvr>
+</p:sld>
+</file>
+
+<file path=ppt/slides/slide2.xml><?xml version="1.0" encoding="utf-8"?>
+<p:sld xmlns:a="http://schemas.openxmlformats.org/drawingml/2006/main" xmlns:r="http://schemas.openxmlformats.org/officeDocument/2006/relationships" xmlns:p="http://schemas.openxmlformats.org/presentationml/2006/main">
+  <p:cSld>
+    <p:bg>
+      <p:bgPr>
+        <a:solidFill>
+          <a:schemeClr val="tx1">
+            <a:lumMod val="65000"/>
+            <a:lumOff val="35000"/>
+          </a:schemeClr>
+        </a:solidFill>
+        <a:effectLst/>
+      </p:bgPr>
+    </p:bg>
+    <p:spTree>
+      <p:nvGrpSpPr>
+        <p:cNvPr id="1" name=""/>
+        <p:cNvGrpSpPr/>
+        <p:nvPr/>
+      </p:nvGrpSpPr>
+      <p:grpSpPr>
+        <a:xfrm>
+          <a:off x="0" y="0"/>
+          <a:ext cx="0" cy="0"/>
+          <a:chOff x="0" y="0"/>
+          <a:chExt cx="0" cy="0"/>
+        </a:xfrm>
+      </p:grpSpPr>
+      <p:sp>
+        <p:nvSpPr>
+          <p:cNvPr id="2" name="TextBox 1">
+            <a:extLst>
+              <a:ext uri="{FF2B5EF4-FFF2-40B4-BE49-F238E27FC236}">
+                <a16:creationId xmlns:a16="http://schemas.microsoft.com/office/drawing/2014/main" id="{00DC8DC8-DB78-A087-DC3A-2479CD56E2C0}"/>
+              </a:ext>
+            </a:extLst>
+          </p:cNvPr>
+          <p:cNvSpPr txBox="1"/>
+          <p:nvPr/>
+        </p:nvSpPr>
+        <p:spPr>
+          <a:xfrm>
+            <a:off x="-87363" y="5107826"/>
+            <a:ext cx="7134650" cy="1323439"/>
+          </a:xfrm>
+          <a:prstGeom prst="rect">
+            <a:avLst/>
+          </a:prstGeom>
+          <a:noFill/>
+        </p:spPr>
+        <p:txBody>
+          <a:bodyPr wrap="square" rtlCol="0">
+            <a:spAutoFit/>
+          </a:bodyPr>
+          <a:lstStyle/>
+          <a:p>
+            <a:pPr lvl="1"/>
+            <a:r>
+              <a:rPr lang="en-IN" sz="4000" dirty="0">
+                <a:solidFill>
+                  <a:schemeClr val="bg1">
+                    <a:lumMod val="85000"/>
+                  </a:schemeClr>
+                </a:solidFill>
+                <a:latin typeface="Rockwell" panose="02060603020205020403" pitchFamily="18" charset="0"/>
+              </a:rPr>
+              <a:t>By</a:t>
+            </a:r>
+            <a:br>
+              <a:rPr lang="en-IN" sz="4000" dirty="0">
+                <a:solidFill>
+                  <a:schemeClr val="bg1">
+                    <a:lumMod val="85000"/>
+                  </a:schemeClr>
+                </a:solidFill>
+                <a:latin typeface="Rockwell" panose="02060603020205020403" pitchFamily="18" charset="0"/>
+              </a:rPr>
+            </a:br>
+            <a:r>
+              <a:rPr lang="en-IN" sz="4000" dirty="0">
+                <a:solidFill>
+                  <a:schemeClr val="bg1">
+                    <a:lumMod val="85000"/>
+                  </a:schemeClr>
+                </a:solidFill>
+                <a:latin typeface="Rockwell" panose="02060603020205020403" pitchFamily="18" charset="0"/>
+              </a:rPr>
+              <a:t>Team Placeholders</a:t>
+            </a:r>
+          </a:p>
+        </p:txBody>
+      </p:sp>
+      <p:sp>
+        <p:nvSpPr>
+          <p:cNvPr id="3" name="TextBox 2">
+            <a:extLst>
+              <a:ext uri="{FF2B5EF4-FFF2-40B4-BE49-F238E27FC236}">
+                <a16:creationId xmlns:a16="http://schemas.microsoft.com/office/drawing/2014/main" id="{98412610-AAF6-3A74-3B56-AB14C6670CE9}"/>
+              </a:ext>
+            </a:extLst>
+          </p:cNvPr>
+          <p:cNvSpPr txBox="1"/>
+          <p:nvPr/>
+        </p:nvSpPr>
+        <p:spPr>
+          <a:xfrm>
+            <a:off x="3763407" y="2907247"/>
+            <a:ext cx="4338060" cy="707886"/>
+          </a:xfrm>
+          <a:prstGeom prst="rect">
+            <a:avLst/>
+          </a:prstGeom>
+          <a:noFill/>
+        </p:spPr>
+        <p:txBody>
+          <a:bodyPr wrap="square" rtlCol="0">
+            <a:spAutoFit/>
+          </a:bodyPr>
+          <a:lstStyle/>
+          <a:p>
+            <a:pPr lvl="1" algn="ctr"/>
+            <a:r>
+              <a:rPr lang="en-IN" sz="4000" dirty="0">
+                <a:solidFill>
+                  <a:schemeClr val="bg1">
+                    <a:lumMod val="85000"/>
+                  </a:schemeClr>
+                </a:solidFill>
+                <a:latin typeface="Rockwell" panose="02060603020205020403" pitchFamily="18" charset="0"/>
+              </a:rPr>
+              <a:t>Thank You!</a:t>
+            </a:r>
+          </a:p>
+        </p:txBody>
+      </p:sp>
+    </p:spTree>
+    <p:extLst>
+      <p:ext uri="{BB962C8B-B14F-4D97-AF65-F5344CB8AC3E}">
+        <p14:creationId xmlns:p14="http://schemas.microsoft.com/office/powerpoint/2010/main" val="501268262"/>
       </p:ext>
     </p:extLst>
   </p:cSld>

--- a/block_diag.pptx
+++ b/block_diag.pptx
@@ -262,7 +262,7 @@
           <a:p>
             <a:fld id="{5EDAD990-EDB0-498B-A180-78F82BBA94D9}" type="datetimeFigureOut">
               <a:rPr lang="en-IN" smtClean="0"/>
-              <a:t>18-08-2023</a:t>
+              <a:t>20-08-2023</a:t>
             </a:fld>
             <a:endParaRPr lang="en-IN"/>
           </a:p>
@@ -462,7 +462,7 @@
           <a:p>
             <a:fld id="{5EDAD990-EDB0-498B-A180-78F82BBA94D9}" type="datetimeFigureOut">
               <a:rPr lang="en-IN" smtClean="0"/>
-              <a:t>18-08-2023</a:t>
+              <a:t>20-08-2023</a:t>
             </a:fld>
             <a:endParaRPr lang="en-IN"/>
           </a:p>
@@ -672,7 +672,7 @@
           <a:p>
             <a:fld id="{5EDAD990-EDB0-498B-A180-78F82BBA94D9}" type="datetimeFigureOut">
               <a:rPr lang="en-IN" smtClean="0"/>
-              <a:t>18-08-2023</a:t>
+              <a:t>20-08-2023</a:t>
             </a:fld>
             <a:endParaRPr lang="en-IN"/>
           </a:p>
@@ -872,7 +872,7 @@
           <a:p>
             <a:fld id="{5EDAD990-EDB0-498B-A180-78F82BBA94D9}" type="datetimeFigureOut">
               <a:rPr lang="en-IN" smtClean="0"/>
-              <a:t>18-08-2023</a:t>
+              <a:t>20-08-2023</a:t>
             </a:fld>
             <a:endParaRPr lang="en-IN"/>
           </a:p>
@@ -1148,7 +1148,7 @@
           <a:p>
             <a:fld id="{5EDAD990-EDB0-498B-A180-78F82BBA94D9}" type="datetimeFigureOut">
               <a:rPr lang="en-IN" smtClean="0"/>
-              <a:t>18-08-2023</a:t>
+              <a:t>20-08-2023</a:t>
             </a:fld>
             <a:endParaRPr lang="en-IN"/>
           </a:p>
@@ -1416,7 +1416,7 @@
           <a:p>
             <a:fld id="{5EDAD990-EDB0-498B-A180-78F82BBA94D9}" type="datetimeFigureOut">
               <a:rPr lang="en-IN" smtClean="0"/>
-              <a:t>18-08-2023</a:t>
+              <a:t>20-08-2023</a:t>
             </a:fld>
             <a:endParaRPr lang="en-IN"/>
           </a:p>
@@ -1831,7 +1831,7 @@
           <a:p>
             <a:fld id="{5EDAD990-EDB0-498B-A180-78F82BBA94D9}" type="datetimeFigureOut">
               <a:rPr lang="en-IN" smtClean="0"/>
-              <a:t>18-08-2023</a:t>
+              <a:t>20-08-2023</a:t>
             </a:fld>
             <a:endParaRPr lang="en-IN"/>
           </a:p>
@@ -1973,7 +1973,7 @@
           <a:p>
             <a:fld id="{5EDAD990-EDB0-498B-A180-78F82BBA94D9}" type="datetimeFigureOut">
               <a:rPr lang="en-IN" smtClean="0"/>
-              <a:t>18-08-2023</a:t>
+              <a:t>20-08-2023</a:t>
             </a:fld>
             <a:endParaRPr lang="en-IN"/>
           </a:p>
@@ -2086,7 +2086,7 @@
           <a:p>
             <a:fld id="{5EDAD990-EDB0-498B-A180-78F82BBA94D9}" type="datetimeFigureOut">
               <a:rPr lang="en-IN" smtClean="0"/>
-              <a:t>18-08-2023</a:t>
+              <a:t>20-08-2023</a:t>
             </a:fld>
             <a:endParaRPr lang="en-IN"/>
           </a:p>
@@ -2399,7 +2399,7 @@
           <a:p>
             <a:fld id="{5EDAD990-EDB0-498B-A180-78F82BBA94D9}" type="datetimeFigureOut">
               <a:rPr lang="en-IN" smtClean="0"/>
-              <a:t>18-08-2023</a:t>
+              <a:t>20-08-2023</a:t>
             </a:fld>
             <a:endParaRPr lang="en-IN"/>
           </a:p>
@@ -2688,7 +2688,7 @@
           <a:p>
             <a:fld id="{5EDAD990-EDB0-498B-A180-78F82BBA94D9}" type="datetimeFigureOut">
               <a:rPr lang="en-IN" smtClean="0"/>
-              <a:t>18-08-2023</a:t>
+              <a:t>20-08-2023</a:t>
             </a:fld>
             <a:endParaRPr lang="en-IN"/>
           </a:p>
@@ -2931,7 +2931,7 @@
           <a:p>
             <a:fld id="{5EDAD990-EDB0-498B-A180-78F82BBA94D9}" type="datetimeFigureOut">
               <a:rPr lang="en-IN" smtClean="0"/>
-              <a:t>18-08-2023</a:t>
+              <a:t>20-08-2023</a:t>
             </a:fld>
             <a:endParaRPr lang="en-IN"/>
           </a:p>
@@ -3334,17 +3334,6 @@
 <file path=ppt/slides/slide1.xml><?xml version="1.0" encoding="utf-8"?>
 <p:sld xmlns:a="http://schemas.openxmlformats.org/drawingml/2006/main" xmlns:r="http://schemas.openxmlformats.org/officeDocument/2006/relationships" xmlns:p="http://schemas.openxmlformats.org/presentationml/2006/main">
   <p:cSld>
-    <p:bg>
-      <p:bgPr>
-        <a:solidFill>
-          <a:schemeClr val="tx1">
-            <a:lumMod val="65000"/>
-            <a:lumOff val="35000"/>
-          </a:schemeClr>
-        </a:solidFill>
-        <a:effectLst/>
-      </p:bgPr>
-    </p:bg>
     <p:spTree>
       <p:nvGrpSpPr>
         <p:cNvPr id="1" name=""/>
@@ -3390,32 +3379,17 @@
             <a:pPr algn="ctr"/>
             <a:r>
               <a:rPr lang="en-IN" sz="900" dirty="0">
-                <a:solidFill>
-                  <a:schemeClr val="bg1">
-                    <a:lumMod val="85000"/>
-                  </a:schemeClr>
-                </a:solidFill>
                 <a:latin typeface="Rockwell" panose="02060603020205020403" pitchFamily="18" charset="0"/>
               </a:rPr>
               <a:t>POST request </a:t>
             </a:r>
             <a:br>
               <a:rPr lang="en-IN" sz="900" dirty="0">
-                <a:solidFill>
-                  <a:schemeClr val="bg1">
-                    <a:lumMod val="85000"/>
-                  </a:schemeClr>
-                </a:solidFill>
                 <a:latin typeface="Rockwell" panose="02060603020205020403" pitchFamily="18" charset="0"/>
               </a:rPr>
             </a:br>
             <a:r>
               <a:rPr lang="en-IN" sz="900" dirty="0">
-                <a:solidFill>
-                  <a:schemeClr val="bg1">
-                    <a:lumMod val="85000"/>
-                  </a:schemeClr>
-                </a:solidFill>
                 <a:latin typeface="Rockwell" panose="02060603020205020403" pitchFamily="18" charset="0"/>
               </a:rPr>
               <a:t>user-id and query string</a:t>
@@ -3454,54 +3428,29 @@
             <a:pPr algn="ctr"/>
             <a:r>
               <a:rPr lang="en-IN" sz="900" dirty="0">
-                <a:solidFill>
-                  <a:schemeClr val="bg1">
-                    <a:lumMod val="85000"/>
-                  </a:schemeClr>
-                </a:solidFill>
                 <a:latin typeface="Rockwell" panose="02060603020205020403" pitchFamily="18" charset="0"/>
               </a:rPr>
               <a:t>JSON response </a:t>
             </a:r>
             <a:br>
               <a:rPr lang="en-IN" sz="900" dirty="0">
-                <a:solidFill>
-                  <a:schemeClr val="bg1">
-                    <a:lumMod val="85000"/>
-                  </a:schemeClr>
-                </a:solidFill>
                 <a:latin typeface="Rockwell" panose="02060603020205020403" pitchFamily="18" charset="0"/>
               </a:rPr>
             </a:br>
             <a:r>
               <a:rPr lang="en-IN" sz="900" dirty="0">
-                <a:solidFill>
-                  <a:schemeClr val="bg1">
-                    <a:lumMod val="85000"/>
-                  </a:schemeClr>
-                </a:solidFill>
                 <a:latin typeface="Rockwell" panose="02060603020205020403" pitchFamily="18" charset="0"/>
               </a:rPr>
               <a:t>Link to locally stored </a:t>
             </a:r>
             <a:r>
               <a:rPr lang="en-IN" sz="900" dirty="0" err="1">
-                <a:solidFill>
-                  <a:schemeClr val="bg1">
-                    <a:lumMod val="85000"/>
-                  </a:schemeClr>
-                </a:solidFill>
                 <a:latin typeface="Rockwell" panose="02060603020205020403" pitchFamily="18" charset="0"/>
               </a:rPr>
               <a:t>genAI</a:t>
             </a:r>
             <a:r>
               <a:rPr lang="en-IN" sz="900" dirty="0">
-                <a:solidFill>
-                  <a:schemeClr val="bg1">
-                    <a:lumMod val="85000"/>
-                  </a:schemeClr>
-                </a:solidFill>
                 <a:latin typeface="Rockwell" panose="02060603020205020403" pitchFamily="18" charset="0"/>
               </a:rPr>
               <a:t> image + links to best matching on-sale clothes</a:t>
@@ -3615,11 +3564,6 @@
             <a:avLst/>
           </a:prstGeom>
           <a:ln>
-            <a:solidFill>
-              <a:schemeClr val="bg1">
-                <a:lumMod val="75000"/>
-              </a:schemeClr>
-            </a:solidFill>
             <a:tailEnd type="triangle"/>
           </a:ln>
         </p:spPr>
@@ -3718,11 +3662,6 @@
             <a:avLst/>
           </a:prstGeom>
           <a:ln>
-            <a:solidFill>
-              <a:schemeClr val="bg1">
-                <a:lumMod val="75000"/>
-              </a:schemeClr>
-            </a:solidFill>
             <a:tailEnd type="triangle"/>
           </a:ln>
         </p:spPr>
@@ -4241,11 +4180,6 @@
             <a:avLst/>
           </a:prstGeom>
           <a:ln>
-            <a:solidFill>
-              <a:schemeClr val="bg1">
-                <a:lumMod val="50000"/>
-              </a:schemeClr>
-            </a:solidFill>
             <a:tailEnd type="triangle"/>
           </a:ln>
         </p:spPr>
@@ -4414,21 +4348,11 @@
             <a:pPr algn="ctr"/>
             <a:r>
               <a:rPr lang="en-IN" sz="600" dirty="0">
-                <a:solidFill>
-                  <a:schemeClr val="bg1">
-                    <a:lumMod val="85000"/>
-                  </a:schemeClr>
-                </a:solidFill>
                 <a:latin typeface="Rockwell" panose="02060603020205020403" pitchFamily="18" charset="0"/>
               </a:rPr>
               <a:t>API call with fine tuned parameters for fashion image generation with user query, user preference data and current trends data</a:t>
             </a:r>
             <a:endParaRPr lang="en-IN" sz="900" dirty="0">
-              <a:solidFill>
-                <a:schemeClr val="bg1">
-                  <a:lumMod val="85000"/>
-                </a:schemeClr>
-              </a:solidFill>
               <a:latin typeface="Rockwell" panose="02060603020205020403" pitchFamily="18" charset="0"/>
             </a:endParaRPr>
           </a:p>
@@ -4457,11 +4381,6 @@
             <a:avLst/>
           </a:prstGeom>
           <a:ln>
-            <a:solidFill>
-              <a:schemeClr val="bg1">
-                <a:lumMod val="50000"/>
-              </a:schemeClr>
-            </a:solidFill>
             <a:tailEnd type="triangle"/>
           </a:ln>
         </p:spPr>
@@ -4511,42 +4430,22 @@
             <a:pPr algn="ctr"/>
             <a:r>
               <a:rPr lang="en-IN" sz="600" dirty="0">
-                <a:solidFill>
-                  <a:schemeClr val="bg1">
-                    <a:lumMod val="85000"/>
-                  </a:schemeClr>
-                </a:solidFill>
                 <a:latin typeface="Rockwell" panose="02060603020205020403" pitchFamily="18" charset="0"/>
               </a:rPr>
               <a:t>PNG image binary data dump.</a:t>
             </a:r>
             <a:br>
               <a:rPr lang="en-IN" sz="600" dirty="0">
-                <a:solidFill>
-                  <a:schemeClr val="bg1">
-                    <a:lumMod val="85000"/>
-                  </a:schemeClr>
-                </a:solidFill>
                 <a:latin typeface="Rockwell" panose="02060603020205020403" pitchFamily="18" charset="0"/>
               </a:rPr>
             </a:br>
             <a:r>
               <a:rPr lang="en-IN" sz="600" dirty="0">
-                <a:solidFill>
-                  <a:schemeClr val="bg1">
-                    <a:lumMod val="85000"/>
-                  </a:schemeClr>
-                </a:solidFill>
                 <a:latin typeface="Rockwell" panose="02060603020205020403" pitchFamily="18" charset="0"/>
               </a:rPr>
               <a:t>Each SDXL 1.0 image takes ~3-4 seconds to generate and uses 1.8 credits (~Rs 1.5)</a:t>
             </a:r>
             <a:endParaRPr lang="en-IN" sz="900" dirty="0">
-              <a:solidFill>
-                <a:schemeClr val="bg1">
-                  <a:lumMod val="85000"/>
-                </a:schemeClr>
-              </a:solidFill>
               <a:latin typeface="Rockwell" panose="02060603020205020403" pitchFamily="18" charset="0"/>
             </a:endParaRPr>
           </a:p>
@@ -4651,18 +4550,13 @@
         </p:nvCxnSpPr>
         <p:spPr>
           <a:xfrm flipV="1">
-            <a:off x="6562695" y="1204124"/>
+            <a:off x="6562695" y="1204125"/>
             <a:ext cx="0" cy="1205244"/>
           </a:xfrm>
           <a:prstGeom prst="straightConnector1">
             <a:avLst/>
           </a:prstGeom>
           <a:ln>
-            <a:solidFill>
-              <a:schemeClr val="bg1">
-                <a:lumMod val="50000"/>
-              </a:schemeClr>
-            </a:solidFill>
             <a:tailEnd type="triangle"/>
           </a:ln>
         </p:spPr>
@@ -4697,18 +4591,13 @@
         </p:nvCxnSpPr>
         <p:spPr>
           <a:xfrm>
-            <a:off x="5876352" y="1204124"/>
+            <a:off x="5876352" y="1204125"/>
             <a:ext cx="0" cy="1205244"/>
           </a:xfrm>
           <a:prstGeom prst="straightConnector1">
             <a:avLst/>
           </a:prstGeom>
           <a:ln>
-            <a:solidFill>
-              <a:schemeClr val="bg1">
-                <a:lumMod val="50000"/>
-              </a:schemeClr>
-            </a:solidFill>
             <a:tailEnd type="triangle"/>
           </a:ln>
         </p:spPr>
@@ -4758,21 +4647,11 @@
             <a:pPr algn="ctr"/>
             <a:r>
               <a:rPr lang="en-IN" sz="600" dirty="0">
-                <a:solidFill>
-                  <a:schemeClr val="bg1">
-                    <a:lumMod val="85000"/>
-                  </a:schemeClr>
-                </a:solidFill>
                 <a:latin typeface="Rockwell" panose="02060603020205020403" pitchFamily="18" charset="0"/>
               </a:rPr>
               <a:t>Fine tuned API call to extract metadata from user queries</a:t>
             </a:r>
             <a:endParaRPr lang="en-IN" sz="900" dirty="0">
-              <a:solidFill>
-                <a:schemeClr val="bg1">
-                  <a:lumMod val="85000"/>
-                </a:schemeClr>
-              </a:solidFill>
               <a:latin typeface="Rockwell" panose="02060603020205020403" pitchFamily="18" charset="0"/>
             </a:endParaRPr>
           </a:p>
@@ -4809,42 +4688,22 @@
             <a:pPr algn="ctr"/>
             <a:r>
               <a:rPr lang="en-IN" sz="600" dirty="0">
-                <a:solidFill>
-                  <a:schemeClr val="bg1">
-                    <a:lumMod val="85000"/>
-                  </a:schemeClr>
-                </a:solidFill>
                 <a:latin typeface="Rockwell" panose="02060603020205020403" pitchFamily="18" charset="0"/>
               </a:rPr>
               <a:t>JSON response with extracted information from query string.</a:t>
             </a:r>
             <a:br>
               <a:rPr lang="en-IN" sz="600" dirty="0">
-                <a:solidFill>
-                  <a:schemeClr val="bg1">
-                    <a:lumMod val="85000"/>
-                  </a:schemeClr>
-                </a:solidFill>
                 <a:latin typeface="Rockwell" panose="02060603020205020403" pitchFamily="18" charset="0"/>
               </a:rPr>
             </a:br>
             <a:r>
               <a:rPr lang="en-IN" sz="600" dirty="0">
-                <a:solidFill>
-                  <a:schemeClr val="bg1">
-                    <a:lumMod val="85000"/>
-                  </a:schemeClr>
-                </a:solidFill>
                 <a:latin typeface="Rockwell" panose="02060603020205020403" pitchFamily="18" charset="0"/>
               </a:rPr>
               <a:t>Response takes ~1-2 seconds</a:t>
             </a:r>
             <a:endParaRPr lang="en-IN" sz="900" dirty="0">
-              <a:solidFill>
-                <a:schemeClr val="bg1">
-                  <a:lumMod val="85000"/>
-                </a:schemeClr>
-              </a:solidFill>
               <a:latin typeface="Rockwell" panose="02060603020205020403" pitchFamily="18" charset="0"/>
             </a:endParaRPr>
           </a:p>
@@ -4881,11 +4740,6 @@
             <a:pPr algn="ctr"/>
             <a:r>
               <a:rPr lang="en-IN" sz="900" dirty="0">
-                <a:solidFill>
-                  <a:schemeClr val="bg1">
-                    <a:lumMod val="85000"/>
-                  </a:schemeClr>
-                </a:solidFill>
                 <a:latin typeface="Rockwell" panose="02060603020205020403" pitchFamily="18" charset="0"/>
               </a:rPr>
               <a:t>MongoDB Database</a:t>
@@ -5264,7 +5118,7 @@
         </p:nvCxnSpPr>
         <p:spPr>
           <a:xfrm rot="5400000">
-            <a:off x="7395937" y="2421422"/>
+            <a:off x="7395937" y="2421423"/>
             <a:ext cx="722220" cy="647687"/>
           </a:xfrm>
           <a:prstGeom prst="bentConnector3">
@@ -5273,11 +5127,6 @@
             </a:avLst>
           </a:prstGeom>
           <a:ln>
-            <a:solidFill>
-              <a:schemeClr val="bg1">
-                <a:lumMod val="50000"/>
-              </a:schemeClr>
-            </a:solidFill>
             <a:tailEnd type="triangle"/>
           </a:ln>
         </p:spPr>
@@ -5350,7 +5199,7 @@
         </p:nvCxnSpPr>
         <p:spPr>
           <a:xfrm rot="16200000" flipH="1">
-            <a:off x="8200814" y="3584020"/>
+            <a:off x="8200815" y="3584021"/>
             <a:ext cx="653196" cy="560771"/>
           </a:xfrm>
           <a:prstGeom prst="bentConnector3">
@@ -5359,11 +5208,6 @@
             </a:avLst>
           </a:prstGeom>
           <a:ln>
-            <a:solidFill>
-              <a:schemeClr val="bg1">
-                <a:lumMod val="50000"/>
-              </a:schemeClr>
-            </a:solidFill>
             <a:tailEnd type="triangle"/>
           </a:ln>
         </p:spPr>
@@ -5486,7 +5330,7 @@
         </p:nvCxnSpPr>
         <p:spPr>
           <a:xfrm flipV="1">
-            <a:off x="6667712" y="2190264"/>
+            <a:off x="6667712" y="2190265"/>
             <a:ext cx="1989685" cy="466390"/>
           </a:xfrm>
           <a:prstGeom prst="bentConnector3">
@@ -5495,11 +5339,6 @@
             </a:avLst>
           </a:prstGeom>
           <a:ln>
-            <a:solidFill>
-              <a:schemeClr val="bg1">
-                <a:lumMod val="50000"/>
-              </a:schemeClr>
-            </a:solidFill>
             <a:tailEnd type="triangle"/>
           </a:ln>
         </p:spPr>
@@ -5541,13 +5380,7 @@
           <a:prstGeom prst="line">
             <a:avLst/>
           </a:prstGeom>
-          <a:ln>
-            <a:solidFill>
-              <a:schemeClr val="bg1">
-                <a:lumMod val="50000"/>
-              </a:schemeClr>
-            </a:solidFill>
-          </a:ln>
+          <a:ln/>
         </p:spPr>
         <p:style>
           <a:lnRef idx="1">
@@ -5586,13 +5419,7 @@
           <a:prstGeom prst="line">
             <a:avLst/>
           </a:prstGeom>
-          <a:ln>
-            <a:solidFill>
-              <a:schemeClr val="bg1">
-                <a:lumMod val="50000"/>
-              </a:schemeClr>
-            </a:solidFill>
-          </a:ln>
+          <a:ln/>
         </p:spPr>
         <p:style>
           <a:lnRef idx="1">
@@ -5732,24 +5559,18 @@
           </p:cNvPr>
           <p:cNvCxnSpPr>
             <a:cxnSpLocks/>
-            <a:endCxn id="164" idx="1"/>
           </p:cNvCxnSpPr>
           <p:nvPr/>
         </p:nvCxnSpPr>
         <p:spPr>
           <a:xfrm>
-            <a:off x="7833609" y="3300173"/>
+            <a:off x="7833610" y="3300174"/>
             <a:ext cx="823791" cy="0"/>
           </a:xfrm>
           <a:prstGeom prst="straightConnector1">
             <a:avLst/>
           </a:prstGeom>
           <a:ln>
-            <a:solidFill>
-              <a:schemeClr val="bg1">
-                <a:lumMod val="50000"/>
-              </a:schemeClr>
-            </a:solidFill>
             <a:tailEnd type="triangle"/>
           </a:ln>
         </p:spPr>
@@ -5949,11 +5770,6 @@
             <a:avLst/>
           </a:prstGeom>
           <a:ln>
-            <a:solidFill>
-              <a:schemeClr val="bg1">
-                <a:lumMod val="50000"/>
-              </a:schemeClr>
-            </a:solidFill>
             <a:tailEnd type="triangle"/>
           </a:ln>
         </p:spPr>
@@ -6063,11 +5879,6 @@
             <a:pPr algn="ctr"/>
             <a:r>
               <a:rPr lang="en-IN" sz="700" dirty="0">
-                <a:solidFill>
-                  <a:schemeClr val="bg1">
-                    <a:lumMod val="85000"/>
-                  </a:schemeClr>
-                </a:solidFill>
                 <a:latin typeface="Rockwell" panose="02060603020205020403" pitchFamily="18" charset="0"/>
               </a:rPr>
               <a:t>Bi-Weekly Extraction of most popular clothing items from Platforms like Instagram, Pinterest, etc</a:t>
